--- a/format.pptx
+++ b/format.pptx
@@ -3159,14 +3159,317 @@
         </p:blipFill>
         <p:spPr>
           <a:xfrm>
-            <a:off x="0" y="0"/>
-            <a:ext cx="1071496062992" cy="1515401574803"/>
+            <a:off x="3978947" y="1069200"/>
+            <a:ext cx="2647950" cy="2495550"/>
           </a:xfrm>
           <a:prstGeom prst="rect">
             <a:avLst/>
           </a:prstGeom>
         </p:spPr>
       </p:pic>
+      <p:pic>
+        <p:nvPicPr>
+          <p:cNvPr id="5" name="Picture 4" descr="Picture1.png"/>
+          <p:cNvPicPr>
+            <a:picLocks noChangeAspect="1"/>
+          </p:cNvPicPr>
+          <p:nvPr/>
+        </p:nvPicPr>
+        <p:blipFill>
+          <a:blip r:embed="rId3"/>
+          <a:stretch>
+            <a:fillRect/>
+          </a:stretch>
+        </p:blipFill>
+        <p:spPr>
+          <a:xfrm>
+            <a:off x="1080000" y="3686896"/>
+            <a:ext cx="2647950" cy="2495550"/>
+          </a:xfrm>
+          <a:prstGeom prst="rect">
+            <a:avLst/>
+          </a:prstGeom>
+        </p:spPr>
+      </p:pic>
+      <p:pic>
+        <p:nvPicPr>
+          <p:cNvPr id="6" name="Picture 5" descr="Picture1.png"/>
+          <p:cNvPicPr>
+            <a:picLocks noChangeAspect="1"/>
+          </p:cNvPicPr>
+          <p:nvPr/>
+        </p:nvPicPr>
+        <p:blipFill>
+          <a:blip r:embed="rId3"/>
+          <a:stretch>
+            <a:fillRect/>
+          </a:stretch>
+        </p:blipFill>
+        <p:spPr>
+          <a:xfrm>
+            <a:off x="3978947" y="6289411"/>
+            <a:ext cx="2647950" cy="2495550"/>
+          </a:xfrm>
+          <a:prstGeom prst="rect">
+            <a:avLst/>
+          </a:prstGeom>
+        </p:spPr>
+      </p:pic>
+      <p:sp>
+        <p:nvSpPr>
+          <p:cNvPr id="7" name="TextBox 6"/>
+          <p:cNvSpPr txBox="1"/>
+          <p:nvPr/>
+        </p:nvSpPr>
+        <p:spPr>
+          <a:xfrm>
+            <a:off x="1080000" y="1069200"/>
+            <a:ext cx="2880000" cy="360000"/>
+          </a:xfrm>
+          <a:prstGeom prst="rect">
+            <a:avLst/>
+          </a:prstGeom>
+          <a:noFill/>
+        </p:spPr>
+        <p:txBody>
+          <a:bodyPr wrap="none">
+            <a:spAutoFit/>
+          </a:bodyPr>
+          <a:lstStyle/>
+          <a:p>
+            <a:r>
+              <a:t>Title</a:t>
+            </a:r>
+          </a:p>
+        </p:txBody>
+      </p:sp>
+      <p:sp>
+        <p:nvSpPr>
+          <p:cNvPr id="8" name="TextBox 7"/>
+          <p:cNvSpPr txBox="1"/>
+          <p:nvPr/>
+        </p:nvSpPr>
+        <p:spPr>
+          <a:xfrm>
+            <a:off x="1080000" y="1527428"/>
+            <a:ext cx="2880000" cy="1800000"/>
+          </a:xfrm>
+          <a:prstGeom prst="rect">
+            <a:avLst/>
+          </a:prstGeom>
+          <a:noFill/>
+        </p:spPr>
+        <p:txBody>
+          <a:bodyPr wrap="none">
+            <a:spAutoFit/>
+          </a:bodyPr>
+          <a:lstStyle/>
+          <a:p>
+            <a:r>
+              <a:t>Lorem ipsum dolor sit amet, </a:t>
+            </a:r>
+          </a:p>
+          <a:p>
+            <a:r>
+              <a:t>consectetur adipisicing elit. </a:t>
+            </a:r>
+          </a:p>
+          <a:p>
+            <a:r>
+              <a:t>Eius expedita consequatur, </a:t>
+            </a:r>
+          </a:p>
+          <a:p>
+            <a:r>
+              <a:t>necessitatibus neque </a:t>
+            </a:r>
+          </a:p>
+          <a:p>
+            <a:r>
+              <a:t>exercitationem pariatur </a:t>
+            </a:r>
+          </a:p>
+          <a:p>
+            <a:r>
+              <a:t>soluta eligendi quo.</a:t>
+            </a:r>
+          </a:p>
+          <a:p/>
+        </p:txBody>
+      </p:sp>
+      <p:sp>
+        <p:nvSpPr>
+          <p:cNvPr id="9" name="TextBox 8"/>
+          <p:cNvSpPr txBox="1"/>
+          <p:nvPr/>
+        </p:nvSpPr>
+        <p:spPr>
+          <a:xfrm>
+            <a:off x="3780000" y="3686896"/>
+            <a:ext cx="2880000" cy="360000"/>
+          </a:xfrm>
+          <a:prstGeom prst="rect">
+            <a:avLst/>
+          </a:prstGeom>
+          <a:noFill/>
+        </p:spPr>
+        <p:txBody>
+          <a:bodyPr wrap="none">
+            <a:spAutoFit/>
+          </a:bodyPr>
+          <a:lstStyle/>
+          <a:p>
+            <a:pPr algn="r"/>
+            <a:r>
+              <a:t>Title</a:t>
+            </a:r>
+          </a:p>
+        </p:txBody>
+      </p:sp>
+      <p:sp>
+        <p:nvSpPr>
+          <p:cNvPr id="10" name="TextBox 9"/>
+          <p:cNvSpPr txBox="1"/>
+          <p:nvPr/>
+        </p:nvSpPr>
+        <p:spPr>
+          <a:xfrm>
+            <a:off x="3780000" y="4112307"/>
+            <a:ext cx="2880000" cy="1800000"/>
+          </a:xfrm>
+          <a:prstGeom prst="rect">
+            <a:avLst/>
+          </a:prstGeom>
+          <a:noFill/>
+        </p:spPr>
+        <p:txBody>
+          <a:bodyPr wrap="none">
+            <a:spAutoFit/>
+          </a:bodyPr>
+          <a:lstStyle/>
+          <a:p>
+            <a:pPr algn="r"/>
+            <a:r>
+              <a:t>Lorem ipsum dolor sit amet, </a:t>
+            </a:r>
+          </a:p>
+          <a:p>
+            <a:pPr algn="r"/>
+            <a:r>
+              <a:t>consectetur adipisicing elit. </a:t>
+            </a:r>
+          </a:p>
+          <a:p>
+            <a:pPr algn="r"/>
+            <a:r>
+              <a:t>Eius expedita consequatur, </a:t>
+            </a:r>
+          </a:p>
+          <a:p>
+            <a:pPr algn="r"/>
+            <a:r>
+              <a:t>necessitatibus neque </a:t>
+            </a:r>
+          </a:p>
+          <a:p>
+            <a:pPr algn="r"/>
+            <a:r>
+              <a:t>exercitationem pariatur </a:t>
+            </a:r>
+          </a:p>
+          <a:p>
+            <a:pPr algn="r"/>
+            <a:r>
+              <a:t>soluta eligendi quo.</a:t>
+            </a:r>
+          </a:p>
+          <a:p>
+            <a:pPr algn="r"/>
+          </a:p>
+        </p:txBody>
+      </p:sp>
+      <p:sp>
+        <p:nvSpPr>
+          <p:cNvPr id="11" name="TextBox 10"/>
+          <p:cNvSpPr txBox="1"/>
+          <p:nvPr/>
+        </p:nvSpPr>
+        <p:spPr>
+          <a:xfrm>
+            <a:off x="1080000" y="6289411"/>
+            <a:ext cx="2880000" cy="360000"/>
+          </a:xfrm>
+          <a:prstGeom prst="rect">
+            <a:avLst/>
+          </a:prstGeom>
+          <a:noFill/>
+        </p:spPr>
+        <p:txBody>
+          <a:bodyPr wrap="none">
+            <a:spAutoFit/>
+          </a:bodyPr>
+          <a:lstStyle/>
+          <a:p>
+            <a:r>
+              <a:t>Title</a:t>
+            </a:r>
+          </a:p>
+        </p:txBody>
+      </p:sp>
+      <p:sp>
+        <p:nvSpPr>
+          <p:cNvPr id="12" name="TextBox 11"/>
+          <p:cNvSpPr txBox="1"/>
+          <p:nvPr/>
+        </p:nvSpPr>
+        <p:spPr>
+          <a:xfrm>
+            <a:off x="1080000" y="6767088"/>
+            <a:ext cx="2880000" cy="1800000"/>
+          </a:xfrm>
+          <a:prstGeom prst="rect">
+            <a:avLst/>
+          </a:prstGeom>
+          <a:noFill/>
+        </p:spPr>
+        <p:txBody>
+          <a:bodyPr wrap="none">
+            <a:spAutoFit/>
+          </a:bodyPr>
+          <a:lstStyle/>
+          <a:p>
+            <a:r>
+              <a:t>Lorem ipsum dolor sit amet, </a:t>
+            </a:r>
+          </a:p>
+          <a:p>
+            <a:r>
+              <a:t>consectetur adipisicing elit. </a:t>
+            </a:r>
+          </a:p>
+          <a:p>
+            <a:r>
+              <a:t>Eius expedita consequatur, </a:t>
+            </a:r>
+          </a:p>
+          <a:p>
+            <a:r>
+              <a:t>necessitatibus neque </a:t>
+            </a:r>
+          </a:p>
+          <a:p>
+            <a:r>
+              <a:t>exercitationem pariatur </a:t>
+            </a:r>
+          </a:p>
+          <a:p>
+            <a:r>
+              <a:t>soluta eligendi quo.</a:t>
+            </a:r>
+          </a:p>
+          <a:p/>
+        </p:txBody>
+      </p:sp>
     </p:spTree>
   </p:cSld>
   <p:clrMapOvr>

--- a/format.pptx
+++ b/format.pptx
@@ -3137,7 +3137,12 @@
           <a:p>
             <a:pPr algn="ctr"/>
             <a:r>
-              <a:rPr sz="2800"/>
+              <a:rPr b="1" sz="2800">
+                <a:solidFill>
+                  <a:srgbClr val="0E5366"/>
+                </a:solidFill>
+                <a:latin typeface="Patrick Hand"/>
+              </a:rPr>
               <a:t>Hello, World!</a:t>
             </a:r>
           </a:p>
@@ -3238,14 +3243,44 @@
           <a:lstStyle/>
           <a:p>
             <a:r>
+              <a:rPr b="1" sz="1250">
+                <a:solidFill>
+                  <a:srgbClr val="0E5366"/>
+                </a:solidFill>
+                <a:latin typeface="Patrick Hand"/>
+              </a:rPr>
               <a:t>Title</a:t>
             </a:r>
           </a:p>
         </p:txBody>
       </p:sp>
-      <p:sp>
-        <p:nvSpPr>
-          <p:cNvPr id="8" name="TextBox 7"/>
+      <p:pic>
+        <p:nvPicPr>
+          <p:cNvPr id="8" name="Picture 7" descr="lightbulb.png"/>
+          <p:cNvPicPr>
+            <a:picLocks noChangeAspect="1"/>
+          </p:cNvPicPr>
+          <p:nvPr/>
+        </p:nvPicPr>
+        <p:blipFill>
+          <a:blip r:embed="rId4"/>
+          <a:stretch>
+            <a:fillRect/>
+          </a:stretch>
+        </p:blipFill>
+        <p:spPr>
+          <a:xfrm>
+            <a:off x="840000" y="1069200"/>
+            <a:ext cx="235527" cy="232756"/>
+          </a:xfrm>
+          <a:prstGeom prst="rect">
+            <a:avLst/>
+          </a:prstGeom>
+        </p:spPr>
+      </p:pic>
+      <p:sp>
+        <p:nvSpPr>
+          <p:cNvPr id="9" name="TextBox 8"/>
           <p:cNvSpPr txBox="1"/>
           <p:nvPr/>
         </p:nvSpPr>
@@ -3266,31 +3301,67 @@
           <a:lstStyle/>
           <a:p>
             <a:r>
+              <a:rPr sz="1140">
+                <a:solidFill>
+                  <a:srgbClr val="0E5366"/>
+                </a:solidFill>
+                <a:latin typeface="Open Sans"/>
+              </a:rPr>
               <a:t>Lorem ipsum dolor sit amet, </a:t>
             </a:r>
           </a:p>
           <a:p>
             <a:r>
+              <a:rPr sz="1140">
+                <a:solidFill>
+                  <a:srgbClr val="0E5366"/>
+                </a:solidFill>
+                <a:latin typeface="Open Sans"/>
+              </a:rPr>
               <a:t>consectetur adipisicing elit. </a:t>
             </a:r>
           </a:p>
           <a:p>
             <a:r>
+              <a:rPr sz="1140">
+                <a:solidFill>
+                  <a:srgbClr val="0E5366"/>
+                </a:solidFill>
+                <a:latin typeface="Open Sans"/>
+              </a:rPr>
               <a:t>Eius expedita consequatur, </a:t>
             </a:r>
           </a:p>
           <a:p>
             <a:r>
+              <a:rPr sz="1140">
+                <a:solidFill>
+                  <a:srgbClr val="0E5366"/>
+                </a:solidFill>
+                <a:latin typeface="Open Sans"/>
+              </a:rPr>
               <a:t>necessitatibus neque </a:t>
             </a:r>
           </a:p>
           <a:p>
             <a:r>
+              <a:rPr sz="1140">
+                <a:solidFill>
+                  <a:srgbClr val="0E5366"/>
+                </a:solidFill>
+                <a:latin typeface="Open Sans"/>
+              </a:rPr>
               <a:t>exercitationem pariatur </a:t>
             </a:r>
           </a:p>
           <a:p>
             <a:r>
+              <a:rPr sz="1140">
+                <a:solidFill>
+                  <a:srgbClr val="0E5366"/>
+                </a:solidFill>
+                <a:latin typeface="Open Sans"/>
+              </a:rPr>
               <a:t>soluta eligendi quo.</a:t>
             </a:r>
           </a:p>
@@ -3299,7 +3370,7 @@
       </p:sp>
       <p:sp>
         <p:nvSpPr>
-          <p:cNvPr id="9" name="TextBox 8"/>
+          <p:cNvPr id="10" name="TextBox 9"/>
           <p:cNvSpPr txBox="1"/>
           <p:nvPr/>
         </p:nvSpPr>
@@ -3321,14 +3392,44 @@
           <a:p>
             <a:pPr algn="r"/>
             <a:r>
+              <a:rPr b="1" sz="1250">
+                <a:solidFill>
+                  <a:srgbClr val="0E5366"/>
+                </a:solidFill>
+                <a:latin typeface="Patrick Hand"/>
+              </a:rPr>
               <a:t>Title</a:t>
             </a:r>
           </a:p>
         </p:txBody>
       </p:sp>
-      <p:sp>
-        <p:nvSpPr>
-          <p:cNvPr id="10" name="TextBox 9"/>
+      <p:pic>
+        <p:nvPicPr>
+          <p:cNvPr id="11" name="Picture 10" descr="lightbulb.png"/>
+          <p:cNvPicPr>
+            <a:picLocks noChangeAspect="1"/>
+          </p:cNvPicPr>
+          <p:nvPr/>
+        </p:nvPicPr>
+        <p:blipFill>
+          <a:blip r:embed="rId4"/>
+          <a:stretch>
+            <a:fillRect/>
+          </a:stretch>
+        </p:blipFill>
+        <p:spPr>
+          <a:xfrm>
+            <a:off x="6690265" y="3686896"/>
+            <a:ext cx="235527" cy="232756"/>
+          </a:xfrm>
+          <a:prstGeom prst="rect">
+            <a:avLst/>
+          </a:prstGeom>
+        </p:spPr>
+      </p:pic>
+      <p:sp>
+        <p:nvSpPr>
+          <p:cNvPr id="12" name="TextBox 11"/>
           <p:cNvSpPr txBox="1"/>
           <p:nvPr/>
         </p:nvSpPr>
@@ -3350,36 +3451,72 @@
           <a:p>
             <a:pPr algn="r"/>
             <a:r>
+              <a:rPr sz="1140">
+                <a:solidFill>
+                  <a:srgbClr val="0E5366"/>
+                </a:solidFill>
+                <a:latin typeface="Open Sans"/>
+              </a:rPr>
               <a:t>Lorem ipsum dolor sit amet, </a:t>
             </a:r>
           </a:p>
           <a:p>
             <a:pPr algn="r"/>
             <a:r>
+              <a:rPr sz="1140">
+                <a:solidFill>
+                  <a:srgbClr val="0E5366"/>
+                </a:solidFill>
+                <a:latin typeface="Open Sans"/>
+              </a:rPr>
               <a:t>consectetur adipisicing elit. </a:t>
             </a:r>
           </a:p>
           <a:p>
             <a:pPr algn="r"/>
             <a:r>
+              <a:rPr sz="1140">
+                <a:solidFill>
+                  <a:srgbClr val="0E5366"/>
+                </a:solidFill>
+                <a:latin typeface="Open Sans"/>
+              </a:rPr>
               <a:t>Eius expedita consequatur, </a:t>
             </a:r>
           </a:p>
           <a:p>
             <a:pPr algn="r"/>
             <a:r>
+              <a:rPr sz="1140">
+                <a:solidFill>
+                  <a:srgbClr val="0E5366"/>
+                </a:solidFill>
+                <a:latin typeface="Open Sans"/>
+              </a:rPr>
               <a:t>necessitatibus neque </a:t>
             </a:r>
           </a:p>
           <a:p>
             <a:pPr algn="r"/>
             <a:r>
+              <a:rPr sz="1140">
+                <a:solidFill>
+                  <a:srgbClr val="0E5366"/>
+                </a:solidFill>
+                <a:latin typeface="Open Sans"/>
+              </a:rPr>
               <a:t>exercitationem pariatur </a:t>
             </a:r>
           </a:p>
           <a:p>
             <a:pPr algn="r"/>
             <a:r>
+              <a:rPr sz="1140">
+                <a:solidFill>
+                  <a:srgbClr val="0E5366"/>
+                </a:solidFill>
+                <a:latin typeface="Open Sans"/>
+              </a:rPr>
               <a:t>soluta eligendi quo.</a:t>
             </a:r>
           </a:p>
@@ -3390,7 +3527,7 @@
       </p:sp>
       <p:sp>
         <p:nvSpPr>
-          <p:cNvPr id="11" name="TextBox 10"/>
+          <p:cNvPr id="13" name="TextBox 12"/>
           <p:cNvSpPr txBox="1"/>
           <p:nvPr/>
         </p:nvSpPr>
@@ -3411,14 +3548,44 @@
           <a:lstStyle/>
           <a:p>
             <a:r>
+              <a:rPr b="1" sz="1250">
+                <a:solidFill>
+                  <a:srgbClr val="0E5366"/>
+                </a:solidFill>
+                <a:latin typeface="Patrick Hand"/>
+              </a:rPr>
               <a:t>Title</a:t>
             </a:r>
           </a:p>
         </p:txBody>
       </p:sp>
-      <p:sp>
-        <p:nvSpPr>
-          <p:cNvPr id="12" name="TextBox 11"/>
+      <p:pic>
+        <p:nvPicPr>
+          <p:cNvPr id="14" name="Picture 13" descr="lightbulb.png"/>
+          <p:cNvPicPr>
+            <a:picLocks noChangeAspect="1"/>
+          </p:cNvPicPr>
+          <p:nvPr/>
+        </p:nvPicPr>
+        <p:blipFill>
+          <a:blip r:embed="rId4"/>
+          <a:stretch>
+            <a:fillRect/>
+          </a:stretch>
+        </p:blipFill>
+        <p:spPr>
+          <a:xfrm>
+            <a:off x="840000" y="6289411"/>
+            <a:ext cx="235527" cy="232756"/>
+          </a:xfrm>
+          <a:prstGeom prst="rect">
+            <a:avLst/>
+          </a:prstGeom>
+        </p:spPr>
+      </p:pic>
+      <p:sp>
+        <p:nvSpPr>
+          <p:cNvPr id="15" name="TextBox 14"/>
           <p:cNvSpPr txBox="1"/>
           <p:nvPr/>
         </p:nvSpPr>
@@ -3439,31 +3606,67 @@
           <a:lstStyle/>
           <a:p>
             <a:r>
+              <a:rPr sz="1140">
+                <a:solidFill>
+                  <a:srgbClr val="0E5366"/>
+                </a:solidFill>
+                <a:latin typeface="Open Sans"/>
+              </a:rPr>
               <a:t>Lorem ipsum dolor sit amet, </a:t>
             </a:r>
           </a:p>
           <a:p>
             <a:r>
+              <a:rPr sz="1140">
+                <a:solidFill>
+                  <a:srgbClr val="0E5366"/>
+                </a:solidFill>
+                <a:latin typeface="Open Sans"/>
+              </a:rPr>
               <a:t>consectetur adipisicing elit. </a:t>
             </a:r>
           </a:p>
           <a:p>
             <a:r>
+              <a:rPr sz="1140">
+                <a:solidFill>
+                  <a:srgbClr val="0E5366"/>
+                </a:solidFill>
+                <a:latin typeface="Open Sans"/>
+              </a:rPr>
               <a:t>Eius expedita consequatur, </a:t>
             </a:r>
           </a:p>
           <a:p>
             <a:r>
+              <a:rPr sz="1140">
+                <a:solidFill>
+                  <a:srgbClr val="0E5366"/>
+                </a:solidFill>
+                <a:latin typeface="Open Sans"/>
+              </a:rPr>
               <a:t>necessitatibus neque </a:t>
             </a:r>
           </a:p>
           <a:p>
             <a:r>
+              <a:rPr sz="1140">
+                <a:solidFill>
+                  <a:srgbClr val="0E5366"/>
+                </a:solidFill>
+                <a:latin typeface="Open Sans"/>
+              </a:rPr>
               <a:t>exercitationem pariatur </a:t>
             </a:r>
           </a:p>
           <a:p>
             <a:r>
+              <a:rPr sz="1140">
+                <a:solidFill>
+                  <a:srgbClr val="0E5366"/>
+                </a:solidFill>
+                <a:latin typeface="Open Sans"/>
+              </a:rPr>
               <a:t>soluta eligendi quo.</a:t>
             </a:r>
           </a:p>
